--- a/Презентация.pptx
+++ b/Презентация.pptx
@@ -5186,14 +5186,41 @@
             </a:r>
             <a:r>
               <a:rPr lang="en-US" dirty="0"/>
-              <a:t> (OLX) </a:t>
-            </a:r>
-            <a:endParaRPr lang="bg-BG" dirty="0"/>
-          </a:p>
-          <a:p>
-            <a:r>
-              <a:rPr lang="de-DE" dirty="0"/>
-              <a:t>ohne Zwischenhändler</a:t>
+              <a:t> (OLX)</a:t>
+            </a:r>
+          </a:p>
+          <a:p>
+            <a:r>
+              <a:rPr lang="en-US" dirty="0"/>
+              <a:t>Die </a:t>
+            </a:r>
+            <a:r>
+              <a:rPr lang="en-US" dirty="0" err="1"/>
+              <a:t>Produkten</a:t>
+            </a:r>
+            <a:r>
+              <a:rPr lang="en-US" dirty="0"/>
+              <a:t> </a:t>
+            </a:r>
+            <a:r>
+              <a:rPr lang="en-US" dirty="0" err="1"/>
+              <a:t>entsprechen</a:t>
+            </a:r>
+            <a:r>
+              <a:rPr lang="en-US" dirty="0"/>
+              <a:t> der </a:t>
+            </a:r>
+            <a:r>
+              <a:rPr lang="en-US" dirty="0" err="1"/>
+              <a:t>Wahrheit</a:t>
+            </a:r>
+            <a:r>
+              <a:rPr lang="en-US" dirty="0"/>
+              <a:t> </a:t>
+            </a:r>
+            <a:r>
+              <a:rPr lang="en-US" dirty="0" err="1"/>
+              <a:t>nicht</a:t>
             </a:r>
             <a:endParaRPr lang="bg-BG" dirty="0"/>
           </a:p>
@@ -5274,7 +5301,12 @@
             <p:ph idx="1"/>
           </p:nvPr>
         </p:nvSpPr>
-        <p:spPr/>
+        <p:spPr>
+          <a:xfrm>
+            <a:off x="1517904" y="2566763"/>
+            <a:ext cx="9144000" cy="3127248"/>
+          </a:xfrm>
+        </p:spPr>
         <p:txBody>
           <a:bodyPr/>
           <a:lstStyle/>
@@ -5287,7 +5319,7 @@
           <a:p>
             <a:r>
               <a:rPr lang="de-DE" dirty="0"/>
-              <a:t>Marktinformation und Preisvergleich</a:t>
+              <a:t>Verfügbarkeit immer verfolgbar</a:t>
             </a:r>
           </a:p>
           <a:p>
@@ -5465,7 +5497,7 @@
             </a:r>
             <a:r>
               <a:rPr lang="en-US" sz="2400" dirty="0"/>
-              <a:t>JavaScript + </a:t>
+              <a:t>JavaScript, HTML, CSS + </a:t>
             </a:r>
             <a:r>
               <a:rPr lang="en-US" sz="2400" dirty="0" err="1"/>
